--- a/000_课程介绍/000_语言服务项目管理 课程介绍.pptx
+++ b/000_课程介绍/000_语言服务项目管理 课程介绍.pptx
@@ -6528,6 +6528,12 @@
               <a:rPr lang="zh-CN" altLang="en-US" i="1" dirty="0"/>
               <a:t>软件下载：</a:t>
             </a:r>
+            <a:r>
+              <a:rPr lang="en-US" altLang="zh-CN" dirty="0">
+                <a:hlinkClick r:id="rId3"/>
+              </a:rPr>
+              <a:t>https://github.com/suntarliarzn/project-management-based-on-git/tree/master/exe</a:t>
+            </a:r>
             <a:endParaRPr lang="en-US" altLang="zh-CN" i="1" dirty="0"/>
           </a:p>
           <a:p>
@@ -6537,8 +6543,15 @@
             </a:r>
             <a:r>
               <a:rPr lang="zh-CN" altLang="en-US" i="1" dirty="0"/>
-              <a:t>软件参考资料：参考软件说明文档</a:t>
-            </a:r>
+              <a:t>课程所有资料：</a:t>
+            </a:r>
+            <a:r>
+              <a:rPr lang="en-US" altLang="zh-CN" dirty="0">
+                <a:hlinkClick r:id="rId4"/>
+              </a:rPr>
+              <a:t>https://github.com/suntarliarzn/project-management-based-on-git</a:t>
+            </a:r>
+            <a:endParaRPr lang="zh-CN" altLang="en-US" i="1" dirty="0"/>
           </a:p>
         </p:txBody>
       </p:sp>
